--- a/doIt2/chapter6/listview_example/flutter_cupertino.pptx
+++ b/doIt2/chapter6/listview_example/flutter_cupertino.pptx
@@ -18,8 +18,8 @@
     <p:sldId id="259" r:id="rId9"/>
     <p:sldId id="261" r:id="rId10"/>
     <p:sldId id="262" r:id="rId11"/>
-    <p:sldId id="263" r:id="rId12"/>
-    <p:sldId id="264" r:id="rId13"/>
+    <p:sldId id="277" r:id="rId12"/>
+    <p:sldId id="263" r:id="rId13"/>
     <p:sldId id="265" r:id="rId14"/>
     <p:sldId id="266" r:id="rId15"/>
     <p:sldId id="267" r:id="rId16"/>
@@ -216,7 +216,7 @@
           <a:p>
             <a:fld id="{52855E9A-1F6F-4F79-A848-7D95F1FC26A6}" type="datetimeFigureOut">
               <a:rPr lang="ko-KR" altLang="en-US" smtClean="0"/>
-              <a:t>2022-11-04</a:t>
+              <a:t>2022-11-15</a:t>
             </a:fld>
             <a:endParaRPr lang="ko-KR" altLang="en-US"/>
           </a:p>
@@ -12899,7 +12899,7 @@
           <a:p>
             <a:fld id="{74C3AF79-DED6-4A2E-B5F1-645B8326EA9E}" type="datetimeFigureOut">
               <a:rPr lang="ko-KR" altLang="en-US" smtClean="0"/>
-              <a:t>2022-11-04</a:t>
+              <a:t>2022-11-15</a:t>
             </a:fld>
             <a:endParaRPr lang="ko-KR" altLang="en-US"/>
           </a:p>
@@ -13097,7 +13097,7 @@
           <a:p>
             <a:fld id="{74C3AF79-DED6-4A2E-B5F1-645B8326EA9E}" type="datetimeFigureOut">
               <a:rPr lang="ko-KR" altLang="en-US" smtClean="0"/>
-              <a:t>2022-11-04</a:t>
+              <a:t>2022-11-15</a:t>
             </a:fld>
             <a:endParaRPr lang="ko-KR" altLang="en-US"/>
           </a:p>
@@ -13305,7 +13305,7 @@
           <a:p>
             <a:fld id="{74C3AF79-DED6-4A2E-B5F1-645B8326EA9E}" type="datetimeFigureOut">
               <a:rPr lang="ko-KR" altLang="en-US" smtClean="0"/>
-              <a:t>2022-11-04</a:t>
+              <a:t>2022-11-15</a:t>
             </a:fld>
             <a:endParaRPr lang="ko-KR" altLang="en-US"/>
           </a:p>
@@ -13503,7 +13503,7 @@
           <a:p>
             <a:fld id="{74C3AF79-DED6-4A2E-B5F1-645B8326EA9E}" type="datetimeFigureOut">
               <a:rPr lang="ko-KR" altLang="en-US" smtClean="0"/>
-              <a:t>2022-11-04</a:t>
+              <a:t>2022-11-15</a:t>
             </a:fld>
             <a:endParaRPr lang="ko-KR" altLang="en-US"/>
           </a:p>
@@ -13778,7 +13778,7 @@
           <a:p>
             <a:fld id="{74C3AF79-DED6-4A2E-B5F1-645B8326EA9E}" type="datetimeFigureOut">
               <a:rPr lang="ko-KR" altLang="en-US" smtClean="0"/>
-              <a:t>2022-11-04</a:t>
+              <a:t>2022-11-15</a:t>
             </a:fld>
             <a:endParaRPr lang="ko-KR" altLang="en-US"/>
           </a:p>
@@ -14043,7 +14043,7 @@
           <a:p>
             <a:fld id="{74C3AF79-DED6-4A2E-B5F1-645B8326EA9E}" type="datetimeFigureOut">
               <a:rPr lang="ko-KR" altLang="en-US" smtClean="0"/>
-              <a:t>2022-11-04</a:t>
+              <a:t>2022-11-15</a:t>
             </a:fld>
             <a:endParaRPr lang="ko-KR" altLang="en-US"/>
           </a:p>
@@ -14455,7 +14455,7 @@
           <a:p>
             <a:fld id="{74C3AF79-DED6-4A2E-B5F1-645B8326EA9E}" type="datetimeFigureOut">
               <a:rPr lang="ko-KR" altLang="en-US" smtClean="0"/>
-              <a:t>2022-11-04</a:t>
+              <a:t>2022-11-15</a:t>
             </a:fld>
             <a:endParaRPr lang="ko-KR" altLang="en-US"/>
           </a:p>
@@ -14596,7 +14596,7 @@
           <a:p>
             <a:fld id="{74C3AF79-DED6-4A2E-B5F1-645B8326EA9E}" type="datetimeFigureOut">
               <a:rPr lang="ko-KR" altLang="en-US" smtClean="0"/>
-              <a:t>2022-11-04</a:t>
+              <a:t>2022-11-15</a:t>
             </a:fld>
             <a:endParaRPr lang="ko-KR" altLang="en-US"/>
           </a:p>
@@ -14709,7 +14709,7 @@
           <a:p>
             <a:fld id="{74C3AF79-DED6-4A2E-B5F1-645B8326EA9E}" type="datetimeFigureOut">
               <a:rPr lang="ko-KR" altLang="en-US" smtClean="0"/>
-              <a:t>2022-11-04</a:t>
+              <a:t>2022-11-15</a:t>
             </a:fld>
             <a:endParaRPr lang="ko-KR" altLang="en-US"/>
           </a:p>
@@ -15020,7 +15020,7 @@
           <a:p>
             <a:fld id="{74C3AF79-DED6-4A2E-B5F1-645B8326EA9E}" type="datetimeFigureOut">
               <a:rPr lang="ko-KR" altLang="en-US" smtClean="0"/>
-              <a:t>2022-11-04</a:t>
+              <a:t>2022-11-15</a:t>
             </a:fld>
             <a:endParaRPr lang="ko-KR" altLang="en-US"/>
           </a:p>
@@ -15308,7 +15308,7 @@
           <a:p>
             <a:fld id="{74C3AF79-DED6-4A2E-B5F1-645B8326EA9E}" type="datetimeFigureOut">
               <a:rPr lang="ko-KR" altLang="en-US" smtClean="0"/>
-              <a:t>2022-11-04</a:t>
+              <a:t>2022-11-15</a:t>
             </a:fld>
             <a:endParaRPr lang="ko-KR" altLang="en-US"/>
           </a:p>
@@ -15549,7 +15549,7 @@
           <a:p>
             <a:fld id="{74C3AF79-DED6-4A2E-B5F1-645B8326EA9E}" type="datetimeFigureOut">
               <a:rPr lang="ko-KR" altLang="en-US" smtClean="0"/>
-              <a:t>2022-11-04</a:t>
+              <a:t>2022-11-15</a:t>
             </a:fld>
             <a:endParaRPr lang="ko-KR" altLang="en-US"/>
           </a:p>
@@ -16161,7 +16161,7 @@
         <p:spPr>
           <a:xfrm>
             <a:off x="120538" y="110273"/>
-            <a:ext cx="1366977" cy="338554"/>
+            <a:ext cx="1962717" cy="338554"/>
           </a:xfrm>
           <a:prstGeom prst="rect">
             <a:avLst/>
@@ -16176,7 +16176,7 @@
           <a:p>
             <a:r>
               <a:rPr lang="en-US" altLang="ko-KR" sz="1600" dirty="0"/>
-              <a:t>9. Page Flow</a:t>
+              <a:t>9. Dart source flow</a:t>
             </a:r>
             <a:endParaRPr lang="ko-KR" altLang="en-US" sz="1600" dirty="0"/>
           </a:p>
@@ -16196,8 +16196,8 @@
         </p:nvSpPr>
         <p:spPr>
           <a:xfrm>
-            <a:off x="6360783" y="1288244"/>
-            <a:ext cx="1069676" cy="1781355"/>
+            <a:off x="4191334" y="1041062"/>
+            <a:ext cx="1069676" cy="601739"/>
           </a:xfrm>
           <a:prstGeom prst="rect">
             <a:avLst/>
@@ -16255,8 +16255,8 @@
         </p:nvSpPr>
         <p:spPr>
           <a:xfrm>
-            <a:off x="8241340" y="1288243"/>
-            <a:ext cx="1871931" cy="1781355"/>
+            <a:off x="6071891" y="1041061"/>
+            <a:ext cx="1871931" cy="601739"/>
           </a:xfrm>
           <a:prstGeom prst="rect">
             <a:avLst/>
@@ -16290,7 +16290,7 @@
                   <a:schemeClr val="tx1"/>
                 </a:solidFill>
               </a:rPr>
-              <a:t>cupertinoMain</a:t>
+              <a:t>CupertinoMain</a:t>
             </a:r>
             <a:endParaRPr lang="ko-KR" altLang="en-US" sz="1600" dirty="0">
               <a:solidFill>
@@ -16314,8 +16314,8 @@
         </p:nvSpPr>
         <p:spPr>
           <a:xfrm>
-            <a:off x="6481546" y="3847413"/>
-            <a:ext cx="2147977" cy="1781355"/>
+            <a:off x="4518272" y="2063435"/>
+            <a:ext cx="2147977" cy="601739"/>
           </a:xfrm>
           <a:prstGeom prst="rect">
             <a:avLst/>
@@ -16373,8 +16373,8 @@
         </p:nvSpPr>
         <p:spPr>
           <a:xfrm>
-            <a:off x="9703513" y="3842971"/>
-            <a:ext cx="2260121" cy="1781355"/>
+            <a:off x="7426475" y="2058993"/>
+            <a:ext cx="2260121" cy="601739"/>
           </a:xfrm>
           <a:prstGeom prst="rect">
             <a:avLst/>
@@ -16428,6 +16428,7 @@
             </a:extLst>
           </p:cNvPr>
           <p:cNvCxnSpPr>
+            <a:cxnSpLocks/>
             <a:stCxn id="3" idx="3"/>
             <a:endCxn id="4" idx="1"/>
           </p:cNvCxnSpPr>
@@ -16435,7 +16436,7 @@
         </p:nvCxnSpPr>
         <p:spPr>
           <a:xfrm flipV="1">
-            <a:off x="7430459" y="2178921"/>
+            <a:off x="5261010" y="1341931"/>
             <a:ext cx="810881" cy="1"/>
           </a:xfrm>
           <a:prstGeom prst="straightConnector1">
@@ -16470,6 +16471,7 @@
             </a:extLst>
           </p:cNvPr>
           <p:cNvCxnSpPr>
+            <a:cxnSpLocks/>
             <a:stCxn id="4" idx="2"/>
             <a:endCxn id="5" idx="0"/>
           </p:cNvCxnSpPr>
@@ -16477,8 +16479,8 @@
         </p:nvCxnSpPr>
         <p:spPr>
           <a:xfrm rot="5400000">
-            <a:off x="7977514" y="2647620"/>
-            <a:ext cx="777815" cy="1621771"/>
+            <a:off x="6089742" y="1145319"/>
+            <a:ext cx="420635" cy="1415596"/>
           </a:xfrm>
           <a:prstGeom prst="bentConnector3">
             <a:avLst/>
@@ -16512,6 +16514,7 @@
             </a:extLst>
           </p:cNvPr>
           <p:cNvCxnSpPr>
+            <a:cxnSpLocks/>
             <a:stCxn id="4" idx="2"/>
             <a:endCxn id="6" idx="0"/>
           </p:cNvCxnSpPr>
@@ -16519,11 +16522,13 @@
         </p:nvCxnSpPr>
         <p:spPr>
           <a:xfrm rot="16200000" flipH="1">
-            <a:off x="9618754" y="2628150"/>
-            <a:ext cx="773373" cy="1656268"/>
+            <a:off x="7574100" y="1076556"/>
+            <a:ext cx="416193" cy="1548679"/>
           </a:xfrm>
           <a:prstGeom prst="bentConnector3">
-            <a:avLst/>
+            <a:avLst>
+              <a:gd name="adj1" fmla="val 50000"/>
+            </a:avLst>
           </a:prstGeom>
           <a:ln>
             <a:tailEnd type="triangle"/>
@@ -16558,7 +16563,7 @@
         </p:nvSpPr>
         <p:spPr>
           <a:xfrm>
-            <a:off x="8577770" y="6155075"/>
+            <a:off x="6560706" y="3196717"/>
             <a:ext cx="1199072" cy="601739"/>
           </a:xfrm>
           <a:prstGeom prst="rect">
@@ -16601,6 +16606,18 @@
               </a:rPr>
               <a:t>Animal</a:t>
             </a:r>
+          </a:p>
+          <a:p>
+            <a:pPr algn="ctr"/>
+            <a:r>
+              <a:rPr lang="en-US" altLang="ko-KR" dirty="0">
+                <a:solidFill>
+                  <a:srgbClr val="185E73"/>
+                </a:solidFill>
+                <a:latin typeface="Consolas" panose="020B0609020204030204" pitchFamily="49" charset="0"/>
+              </a:rPr>
+              <a:t>(DAO)</a:t>
+            </a:r>
             <a:endParaRPr lang="en-US" altLang="ko-KR" b="0" dirty="0">
               <a:solidFill>
                 <a:srgbClr val="292929"/>
@@ -16629,8 +16646,8 @@
         </p:nvCxnSpPr>
         <p:spPr>
           <a:xfrm rot="16200000" flipV="1">
-            <a:off x="8103268" y="5081036"/>
-            <a:ext cx="526307" cy="1621771"/>
+            <a:off x="6110481" y="2146955"/>
+            <a:ext cx="531543" cy="1567981"/>
           </a:xfrm>
           <a:prstGeom prst="bentConnector3">
             <a:avLst>
@@ -16674,8 +16691,8 @@
         </p:nvCxnSpPr>
         <p:spPr>
           <a:xfrm rot="5400000" flipH="1" flipV="1">
-            <a:off x="9740066" y="5061567"/>
-            <a:ext cx="530749" cy="1656268"/>
+            <a:off x="7590397" y="2230578"/>
+            <a:ext cx="535985" cy="1396294"/>
           </a:xfrm>
           <a:prstGeom prst="bentConnector3">
             <a:avLst/>
@@ -16713,8 +16730,8 @@
         </p:nvSpPr>
         <p:spPr>
           <a:xfrm>
-            <a:off x="210148" y="1275130"/>
-            <a:ext cx="1069676" cy="1781355"/>
+            <a:off x="1379704" y="1041060"/>
+            <a:ext cx="1069676" cy="601739"/>
           </a:xfrm>
           <a:prstGeom prst="rect">
             <a:avLst/>
@@ -16760,10 +16777,10 @@
       </p:sp>
       <p:sp>
         <p:nvSpPr>
-          <p:cNvPr id="26" name="직사각형 25">
+          <p:cNvPr id="27" name="직사각형 26">
             <a:extLst>
               <a:ext uri="{FF2B5EF4-FFF2-40B4-BE49-F238E27FC236}">
-                <a16:creationId xmlns:a16="http://schemas.microsoft.com/office/drawing/2014/main" id="{71FB97FE-5904-0082-01D3-20C9F3BB514A}"/>
+                <a16:creationId xmlns:a16="http://schemas.microsoft.com/office/drawing/2014/main" id="{D2AE5F61-EE71-69F7-E3A9-2663CC09A515}"/>
               </a:ext>
             </a:extLst>
           </p:cNvPr>
@@ -16772,8 +16789,8 @@
         </p:nvSpPr>
         <p:spPr>
           <a:xfrm>
-            <a:off x="2090705" y="1275129"/>
-            <a:ext cx="1871931" cy="1781355"/>
+            <a:off x="238274" y="2050321"/>
+            <a:ext cx="1709365" cy="601739"/>
           </a:xfrm>
           <a:prstGeom prst="rect">
             <a:avLst/>
@@ -16807,7 +16824,7 @@
                   <a:schemeClr val="tx1"/>
                 </a:solidFill>
               </a:rPr>
-              <a:t>CupertinoMain</a:t>
+              <a:t>firstPage</a:t>
             </a:r>
             <a:endParaRPr lang="ko-KR" altLang="en-US" sz="1600" dirty="0">
               <a:solidFill>
@@ -16819,10 +16836,10 @@
       </p:sp>
       <p:sp>
         <p:nvSpPr>
-          <p:cNvPr id="27" name="직사각형 26">
+          <p:cNvPr id="28" name="직사각형 27">
             <a:extLst>
               <a:ext uri="{FF2B5EF4-FFF2-40B4-BE49-F238E27FC236}">
-                <a16:creationId xmlns:a16="http://schemas.microsoft.com/office/drawing/2014/main" id="{D2AE5F61-EE71-69F7-E3A9-2663CC09A515}"/>
+                <a16:creationId xmlns:a16="http://schemas.microsoft.com/office/drawing/2014/main" id="{20891A18-C02D-5505-724E-7F1FDB7BDB37}"/>
               </a:ext>
             </a:extLst>
           </p:cNvPr>
@@ -16831,8 +16848,8 @@
         </p:nvSpPr>
         <p:spPr>
           <a:xfrm>
-            <a:off x="1143711" y="3834299"/>
-            <a:ext cx="1709365" cy="1781355"/>
+            <a:off x="2241041" y="2045879"/>
+            <a:ext cx="1798609" cy="601739"/>
           </a:xfrm>
           <a:prstGeom prst="rect">
             <a:avLst/>
@@ -16866,7 +16883,7 @@
                   <a:schemeClr val="tx1"/>
                 </a:solidFill>
               </a:rPr>
-              <a:t>firstPage</a:t>
+              <a:t>secondPage</a:t>
             </a:r>
             <a:endParaRPr lang="ko-KR" altLang="en-US" sz="1600" dirty="0">
               <a:solidFill>
@@ -16876,107 +16893,6 @@
           </a:p>
         </p:txBody>
       </p:sp>
-      <p:sp>
-        <p:nvSpPr>
-          <p:cNvPr id="28" name="직사각형 27">
-            <a:extLst>
-              <a:ext uri="{FF2B5EF4-FFF2-40B4-BE49-F238E27FC236}">
-                <a16:creationId xmlns:a16="http://schemas.microsoft.com/office/drawing/2014/main" id="{20891A18-C02D-5505-724E-7F1FDB7BDB37}"/>
-              </a:ext>
-            </a:extLst>
-          </p:cNvPr>
-          <p:cNvSpPr/>
-          <p:nvPr/>
-        </p:nvSpPr>
-        <p:spPr>
-          <a:xfrm>
-            <a:off x="3146478" y="3829857"/>
-            <a:ext cx="1798609" cy="1781355"/>
-          </a:xfrm>
-          <a:prstGeom prst="rect">
-            <a:avLst/>
-          </a:prstGeom>
-          <a:noFill/>
-        </p:spPr>
-        <p:style>
-          <a:lnRef idx="2">
-            <a:schemeClr val="accent1">
-              <a:shade val="50000"/>
-            </a:schemeClr>
-          </a:lnRef>
-          <a:fillRef idx="1">
-            <a:schemeClr val="accent1"/>
-          </a:fillRef>
-          <a:effectRef idx="0">
-            <a:schemeClr val="accent1"/>
-          </a:effectRef>
-          <a:fontRef idx="minor">
-            <a:schemeClr val="lt1"/>
-          </a:fontRef>
-        </p:style>
-        <p:txBody>
-          <a:bodyPr rtlCol="0" anchor="ctr"/>
-          <a:lstStyle/>
-          <a:p>
-            <a:pPr algn="ctr"/>
-            <a:r>
-              <a:rPr lang="en-US" altLang="ko-KR" sz="1600" dirty="0">
-                <a:solidFill>
-                  <a:schemeClr val="tx1"/>
-                </a:solidFill>
-              </a:rPr>
-              <a:t>secondPage</a:t>
-            </a:r>
-            <a:endParaRPr lang="ko-KR" altLang="en-US" sz="1600" dirty="0">
-              <a:solidFill>
-                <a:schemeClr val="tx1"/>
-              </a:solidFill>
-            </a:endParaRPr>
-          </a:p>
-        </p:txBody>
-      </p:sp>
-      <p:cxnSp>
-        <p:nvCxnSpPr>
-          <p:cNvPr id="29" name="직선 화살표 연결선 28">
-            <a:extLst>
-              <a:ext uri="{FF2B5EF4-FFF2-40B4-BE49-F238E27FC236}">
-                <a16:creationId xmlns:a16="http://schemas.microsoft.com/office/drawing/2014/main" id="{67CDF3ED-EA76-A8E2-A1C3-342E7B7B4557}"/>
-              </a:ext>
-            </a:extLst>
-          </p:cNvPr>
-          <p:cNvCxnSpPr>
-            <a:stCxn id="25" idx="3"/>
-            <a:endCxn id="26" idx="1"/>
-          </p:cNvCxnSpPr>
-          <p:nvPr/>
-        </p:nvCxnSpPr>
-        <p:spPr>
-          <a:xfrm flipV="1">
-            <a:off x="1279824" y="2165807"/>
-            <a:ext cx="810881" cy="1"/>
-          </a:xfrm>
-          <a:prstGeom prst="straightConnector1">
-            <a:avLst/>
-          </a:prstGeom>
-          <a:ln>
-            <a:tailEnd type="triangle"/>
-          </a:ln>
-        </p:spPr>
-        <p:style>
-          <a:lnRef idx="1">
-            <a:schemeClr val="accent1"/>
-          </a:lnRef>
-          <a:fillRef idx="0">
-            <a:schemeClr val="accent1"/>
-          </a:fillRef>
-          <a:effectRef idx="0">
-            <a:schemeClr val="accent1"/>
-          </a:effectRef>
-          <a:fontRef idx="minor">
-            <a:schemeClr val="tx1"/>
-          </a:fontRef>
-        </p:style>
-      </p:cxnSp>
       <p:cxnSp>
         <p:nvCxnSpPr>
           <p:cNvPr id="30" name="연결선: 꺾임 29">
@@ -16988,15 +16904,15 @@
           </p:cNvPr>
           <p:cNvCxnSpPr>
             <a:cxnSpLocks/>
-            <a:stCxn id="26" idx="2"/>
+            <a:stCxn id="25" idx="2"/>
             <a:endCxn id="27" idx="0"/>
           </p:cNvCxnSpPr>
           <p:nvPr/>
         </p:nvCxnSpPr>
         <p:spPr>
           <a:xfrm rot="5400000">
-            <a:off x="2123626" y="2931253"/>
-            <a:ext cx="777815" cy="1028277"/>
+            <a:off x="1299989" y="1435768"/>
+            <a:ext cx="407522" cy="821585"/>
           </a:xfrm>
           <a:prstGeom prst="bentConnector3">
             <a:avLst/>
@@ -17031,15 +16947,15 @@
           </p:cNvPr>
           <p:cNvCxnSpPr>
             <a:cxnSpLocks/>
-            <a:stCxn id="26" idx="2"/>
+            <a:stCxn id="25" idx="2"/>
             <a:endCxn id="28" idx="0"/>
           </p:cNvCxnSpPr>
           <p:nvPr/>
         </p:nvCxnSpPr>
         <p:spPr>
           <a:xfrm rot="16200000" flipH="1">
-            <a:off x="3149541" y="2933614"/>
-            <a:ext cx="773373" cy="1019112"/>
+            <a:off x="2325904" y="1231437"/>
+            <a:ext cx="403080" cy="1225804"/>
           </a:xfrm>
           <a:prstGeom prst="bentConnector3">
             <a:avLst/>
@@ -17077,7 +16993,7 @@
         </p:nvSpPr>
         <p:spPr>
           <a:xfrm>
-            <a:off x="2427135" y="6141961"/>
+            <a:off x="1521698" y="3183603"/>
             <a:ext cx="1199072" cy="601739"/>
           </a:xfrm>
           <a:prstGeom prst="rect">
@@ -17111,7 +17027,7 @@
           <a:p>
             <a:pPr algn="ctr"/>
             <a:r>
-              <a:rPr lang="en-US" altLang="ko-KR" b="0">
+              <a:rPr lang="en-US" altLang="ko-KR" b="0" dirty="0">
                 <a:solidFill>
                   <a:srgbClr val="185E73"/>
                 </a:solidFill>
@@ -17120,7 +17036,19 @@
               </a:rPr>
               <a:t>Animal</a:t>
             </a:r>
-            <a:endParaRPr lang="en-US" altLang="ko-KR" b="0">
+          </a:p>
+          <a:p>
+            <a:pPr algn="ctr"/>
+            <a:r>
+              <a:rPr lang="en-US" altLang="ko-KR" dirty="0">
+                <a:solidFill>
+                  <a:srgbClr val="185E73"/>
+                </a:solidFill>
+                <a:latin typeface="Consolas" panose="020B0609020204030204" pitchFamily="49" charset="0"/>
+              </a:rPr>
+              <a:t>(DAO)</a:t>
+            </a:r>
+            <a:endParaRPr lang="en-US" altLang="ko-KR" b="0" dirty="0">
               <a:solidFill>
                 <a:srgbClr val="292929"/>
               </a:solidFill>
@@ -17148,8 +17076,8 @@
         </p:nvCxnSpPr>
         <p:spPr>
           <a:xfrm rot="16200000" flipV="1">
-            <a:off x="2249380" y="5364669"/>
-            <a:ext cx="526307" cy="1028277"/>
+            <a:off x="1341325" y="2403693"/>
+            <a:ext cx="531543" cy="1028277"/>
           </a:xfrm>
           <a:prstGeom prst="bentConnector3">
             <a:avLst>
@@ -17193,8 +17121,8 @@
         </p:nvCxnSpPr>
         <p:spPr>
           <a:xfrm rot="5400000" flipH="1" flipV="1">
-            <a:off x="3270853" y="5367031"/>
-            <a:ext cx="530749" cy="1019112"/>
+            <a:off x="2362798" y="2406055"/>
+            <a:ext cx="535985" cy="1019112"/>
           </a:xfrm>
           <a:prstGeom prst="bentConnector3">
             <a:avLst/>
@@ -17232,8 +17160,8 @@
         </p:nvSpPr>
         <p:spPr>
           <a:xfrm>
-            <a:off x="210148" y="785506"/>
-            <a:ext cx="2063322" cy="369332"/>
+            <a:off x="915978" y="487892"/>
+            <a:ext cx="2124236" cy="369332"/>
           </a:xfrm>
           <a:prstGeom prst="rect">
             <a:avLst/>
@@ -17248,7 +17176,7 @@
           <a:p>
             <a:r>
               <a:rPr lang="en-US" altLang="ko-KR" dirty="0"/>
-              <a:t>&gt; Android Design</a:t>
+              <a:t>[ Android Design ]</a:t>
             </a:r>
             <a:endParaRPr lang="ko-KR" altLang="en-US" dirty="0"/>
           </a:p>
@@ -17268,8 +17196,8 @@
         </p:nvSpPr>
         <p:spPr>
           <a:xfrm>
-            <a:off x="6318847" y="736058"/>
-            <a:ext cx="1941557" cy="369332"/>
+            <a:off x="5916832" y="461411"/>
+            <a:ext cx="2002471" cy="369332"/>
           </a:xfrm>
           <a:prstGeom prst="rect">
             <a:avLst/>
@@ -17284,7 +17212,7 @@
           <a:p>
             <a:r>
               <a:rPr lang="en-US" altLang="ko-KR" dirty="0"/>
-              <a:t>&gt; iPhone Design</a:t>
+              <a:t>[ iPhone Design ]</a:t>
             </a:r>
             <a:endParaRPr lang="ko-KR" altLang="en-US" dirty="0"/>
           </a:p>
@@ -17304,6 +17232,1588 @@
 </file>
 
 <file path=ppt/slides/slide11.xml><?xml version="1.0" encoding="utf-8"?>
+<p:sld xmlns:a="http://schemas.openxmlformats.org/drawingml/2006/main" xmlns:r="http://schemas.openxmlformats.org/officeDocument/2006/relationships" xmlns:p="http://schemas.openxmlformats.org/presentationml/2006/main">
+  <p:cSld>
+    <p:spTree>
+      <p:nvGrpSpPr>
+        <p:cNvPr id="1" name=""/>
+        <p:cNvGrpSpPr/>
+        <p:nvPr/>
+      </p:nvGrpSpPr>
+      <p:grpSpPr>
+        <a:xfrm>
+          <a:off x="0" y="0"/>
+          <a:ext cx="0" cy="0"/>
+          <a:chOff x="0" y="0"/>
+          <a:chExt cx="0" cy="0"/>
+        </a:xfrm>
+      </p:grpSpPr>
+      <p:sp>
+        <p:nvSpPr>
+          <p:cNvPr id="53" name="직사각형 52">
+            <a:extLst>
+              <a:ext uri="{FF2B5EF4-FFF2-40B4-BE49-F238E27FC236}">
+                <a16:creationId xmlns:a16="http://schemas.microsoft.com/office/drawing/2014/main" id="{5B69CA8A-A2B5-1AC6-855D-57F09D52EFBC}"/>
+              </a:ext>
+            </a:extLst>
+          </p:cNvPr>
+          <p:cNvSpPr/>
+          <p:nvPr/>
+        </p:nvSpPr>
+        <p:spPr>
+          <a:xfrm>
+            <a:off x="1757847" y="2182296"/>
+            <a:ext cx="2766528" cy="601739"/>
+          </a:xfrm>
+          <a:prstGeom prst="rect">
+            <a:avLst/>
+          </a:prstGeom>
+          <a:solidFill>
+            <a:schemeClr val="bg1">
+              <a:lumMod val="85000"/>
+            </a:schemeClr>
+          </a:solidFill>
+        </p:spPr>
+        <p:style>
+          <a:lnRef idx="2">
+            <a:schemeClr val="accent1">
+              <a:shade val="50000"/>
+            </a:schemeClr>
+          </a:lnRef>
+          <a:fillRef idx="1">
+            <a:schemeClr val="accent1"/>
+          </a:fillRef>
+          <a:effectRef idx="0">
+            <a:schemeClr val="accent1"/>
+          </a:effectRef>
+          <a:fontRef idx="minor">
+            <a:schemeClr val="lt1"/>
+          </a:fontRef>
+        </p:style>
+        <p:txBody>
+          <a:bodyPr rtlCol="0" anchor="ctr"/>
+          <a:lstStyle/>
+          <a:p>
+            <a:pPr algn="ctr"/>
+            <a:r>
+              <a:rPr lang="en-US" altLang="ko-KR" sz="1600" dirty="0">
+                <a:solidFill>
+                  <a:schemeClr val="tx1"/>
+                </a:solidFill>
+              </a:rPr>
+              <a:t> </a:t>
+            </a:r>
+            <a:endParaRPr lang="ko-KR" altLang="en-US" sz="1600" dirty="0">
+              <a:solidFill>
+                <a:schemeClr val="tx1"/>
+              </a:solidFill>
+            </a:endParaRPr>
+          </a:p>
+        </p:txBody>
+      </p:sp>
+      <p:sp>
+        <p:nvSpPr>
+          <p:cNvPr id="2" name="TextBox 1">
+            <a:extLst>
+              <a:ext uri="{FF2B5EF4-FFF2-40B4-BE49-F238E27FC236}">
+                <a16:creationId xmlns:a16="http://schemas.microsoft.com/office/drawing/2014/main" id="{B3C2D530-DB20-6FE5-5AE2-F19ED247E394}"/>
+              </a:ext>
+            </a:extLst>
+          </p:cNvPr>
+          <p:cNvSpPr txBox="1"/>
+          <p:nvPr/>
+        </p:nvSpPr>
+        <p:spPr>
+          <a:xfrm>
+            <a:off x="120538" y="110273"/>
+            <a:ext cx="1637308" cy="338554"/>
+          </a:xfrm>
+          <a:prstGeom prst="rect">
+            <a:avLst/>
+          </a:prstGeom>
+          <a:noFill/>
+        </p:spPr>
+        <p:txBody>
+          <a:bodyPr wrap="none" rtlCol="0">
+            <a:spAutoFit/>
+          </a:bodyPr>
+          <a:lstStyle/>
+          <a:p>
+            <a:r>
+              <a:rPr lang="en-US" altLang="ko-KR" sz="1600" dirty="0"/>
+              <a:t>10. Widget tree</a:t>
+            </a:r>
+            <a:endParaRPr lang="ko-KR" altLang="en-US" sz="1600" dirty="0"/>
+          </a:p>
+        </p:txBody>
+      </p:sp>
+      <p:sp>
+        <p:nvSpPr>
+          <p:cNvPr id="25" name="직사각형 24">
+            <a:extLst>
+              <a:ext uri="{FF2B5EF4-FFF2-40B4-BE49-F238E27FC236}">
+                <a16:creationId xmlns:a16="http://schemas.microsoft.com/office/drawing/2014/main" id="{42B60777-7CDD-9FCA-7337-7D74B5BA2420}"/>
+              </a:ext>
+            </a:extLst>
+          </p:cNvPr>
+          <p:cNvSpPr/>
+          <p:nvPr/>
+        </p:nvSpPr>
+        <p:spPr>
+          <a:xfrm>
+            <a:off x="1249150" y="984608"/>
+            <a:ext cx="2306176" cy="351973"/>
+          </a:xfrm>
+          <a:prstGeom prst="rect">
+            <a:avLst/>
+          </a:prstGeom>
+          <a:noFill/>
+        </p:spPr>
+        <p:style>
+          <a:lnRef idx="2">
+            <a:schemeClr val="accent1">
+              <a:shade val="50000"/>
+            </a:schemeClr>
+          </a:lnRef>
+          <a:fillRef idx="1">
+            <a:schemeClr val="accent1"/>
+          </a:fillRef>
+          <a:effectRef idx="0">
+            <a:schemeClr val="accent1"/>
+          </a:effectRef>
+          <a:fontRef idx="minor">
+            <a:schemeClr val="lt1"/>
+          </a:fontRef>
+        </p:style>
+        <p:txBody>
+          <a:bodyPr rtlCol="0" anchor="ctr"/>
+          <a:lstStyle/>
+          <a:p>
+            <a:pPr algn="ctr"/>
+            <a:r>
+              <a:rPr lang="en-US" altLang="ko-KR" sz="1600" dirty="0">
+                <a:solidFill>
+                  <a:schemeClr val="tx1"/>
+                </a:solidFill>
+              </a:rPr>
+              <a:t>Material App</a:t>
+            </a:r>
+            <a:endParaRPr lang="ko-KR" altLang="en-US" sz="1600" dirty="0">
+              <a:solidFill>
+                <a:schemeClr val="tx1"/>
+              </a:solidFill>
+            </a:endParaRPr>
+          </a:p>
+        </p:txBody>
+      </p:sp>
+      <p:cxnSp>
+        <p:nvCxnSpPr>
+          <p:cNvPr id="31" name="연결선: 꺾임 30">
+            <a:extLst>
+              <a:ext uri="{FF2B5EF4-FFF2-40B4-BE49-F238E27FC236}">
+                <a16:creationId xmlns:a16="http://schemas.microsoft.com/office/drawing/2014/main" id="{18E36D74-0FD3-0367-23DD-C51FC03ECBAC}"/>
+              </a:ext>
+            </a:extLst>
+          </p:cNvPr>
+          <p:cNvCxnSpPr>
+            <a:cxnSpLocks/>
+            <a:stCxn id="16" idx="2"/>
+            <a:endCxn id="17" idx="0"/>
+          </p:cNvCxnSpPr>
+          <p:nvPr/>
+        </p:nvCxnSpPr>
+        <p:spPr>
+          <a:xfrm rot="5400000">
+            <a:off x="1454746" y="1344634"/>
+            <a:ext cx="356701" cy="1538284"/>
+          </a:xfrm>
+          <a:prstGeom prst="bentConnector3">
+            <a:avLst>
+              <a:gd name="adj1" fmla="val 50000"/>
+            </a:avLst>
+          </a:prstGeom>
+          <a:ln>
+            <a:tailEnd type="triangle"/>
+          </a:ln>
+        </p:spPr>
+        <p:style>
+          <a:lnRef idx="1">
+            <a:schemeClr val="accent1"/>
+          </a:lnRef>
+          <a:fillRef idx="0">
+            <a:schemeClr val="accent1"/>
+          </a:fillRef>
+          <a:effectRef idx="0">
+            <a:schemeClr val="accent1"/>
+          </a:effectRef>
+          <a:fontRef idx="minor">
+            <a:schemeClr val="tx1"/>
+          </a:fontRef>
+        </p:style>
+      </p:cxnSp>
+      <p:sp>
+        <p:nvSpPr>
+          <p:cNvPr id="39" name="TextBox 38">
+            <a:extLst>
+              <a:ext uri="{FF2B5EF4-FFF2-40B4-BE49-F238E27FC236}">
+                <a16:creationId xmlns:a16="http://schemas.microsoft.com/office/drawing/2014/main" id="{C170C6CA-6B9E-A496-BC78-4EDA48A2383C}"/>
+              </a:ext>
+            </a:extLst>
+          </p:cNvPr>
+          <p:cNvSpPr txBox="1"/>
+          <p:nvPr/>
+        </p:nvSpPr>
+        <p:spPr>
+          <a:xfrm>
+            <a:off x="1757846" y="448827"/>
+            <a:ext cx="1336904" cy="369332"/>
+          </a:xfrm>
+          <a:prstGeom prst="rect">
+            <a:avLst/>
+          </a:prstGeom>
+          <a:noFill/>
+        </p:spPr>
+        <p:txBody>
+          <a:bodyPr wrap="none" rtlCol="0">
+            <a:spAutoFit/>
+          </a:bodyPr>
+          <a:lstStyle/>
+          <a:p>
+            <a:r>
+              <a:rPr lang="en-US" altLang="ko-KR" dirty="0"/>
+              <a:t>[ Material ]</a:t>
+            </a:r>
+            <a:endParaRPr lang="ko-KR" altLang="en-US" dirty="0"/>
+          </a:p>
+        </p:txBody>
+      </p:sp>
+      <p:sp>
+        <p:nvSpPr>
+          <p:cNvPr id="40" name="TextBox 39">
+            <a:extLst>
+              <a:ext uri="{FF2B5EF4-FFF2-40B4-BE49-F238E27FC236}">
+                <a16:creationId xmlns:a16="http://schemas.microsoft.com/office/drawing/2014/main" id="{3D6A6182-2AE0-4635-6A50-E8FC3657B651}"/>
+              </a:ext>
+            </a:extLst>
+          </p:cNvPr>
+          <p:cNvSpPr txBox="1"/>
+          <p:nvPr/>
+        </p:nvSpPr>
+        <p:spPr>
+          <a:xfrm>
+            <a:off x="5827447" y="448827"/>
+            <a:ext cx="1525610" cy="369332"/>
+          </a:xfrm>
+          <a:prstGeom prst="rect">
+            <a:avLst/>
+          </a:prstGeom>
+          <a:noFill/>
+        </p:spPr>
+        <p:txBody>
+          <a:bodyPr wrap="none" rtlCol="0">
+            <a:spAutoFit/>
+          </a:bodyPr>
+          <a:lstStyle/>
+          <a:p>
+            <a:r>
+              <a:rPr lang="en-US" altLang="ko-KR" dirty="0"/>
+              <a:t>[ Cupertino ]</a:t>
+            </a:r>
+            <a:endParaRPr lang="ko-KR" altLang="en-US" dirty="0"/>
+          </a:p>
+        </p:txBody>
+      </p:sp>
+      <p:sp>
+        <p:nvSpPr>
+          <p:cNvPr id="16" name="직사각형 15">
+            <a:extLst>
+              <a:ext uri="{FF2B5EF4-FFF2-40B4-BE49-F238E27FC236}">
+                <a16:creationId xmlns:a16="http://schemas.microsoft.com/office/drawing/2014/main" id="{92F2F982-E1A3-D854-E551-CB9888F6D749}"/>
+              </a:ext>
+            </a:extLst>
+          </p:cNvPr>
+          <p:cNvSpPr/>
+          <p:nvPr/>
+        </p:nvSpPr>
+        <p:spPr>
+          <a:xfrm>
+            <a:off x="1249150" y="1583453"/>
+            <a:ext cx="2306176" cy="351973"/>
+          </a:xfrm>
+          <a:prstGeom prst="rect">
+            <a:avLst/>
+          </a:prstGeom>
+          <a:noFill/>
+        </p:spPr>
+        <p:style>
+          <a:lnRef idx="2">
+            <a:schemeClr val="accent1">
+              <a:shade val="50000"/>
+            </a:schemeClr>
+          </a:lnRef>
+          <a:fillRef idx="1">
+            <a:schemeClr val="accent1"/>
+          </a:fillRef>
+          <a:effectRef idx="0">
+            <a:schemeClr val="accent1"/>
+          </a:effectRef>
+          <a:fontRef idx="minor">
+            <a:schemeClr val="lt1"/>
+          </a:fontRef>
+        </p:style>
+        <p:txBody>
+          <a:bodyPr rtlCol="0" anchor="ctr"/>
+          <a:lstStyle/>
+          <a:p>
+            <a:pPr algn="ctr"/>
+            <a:r>
+              <a:rPr lang="en-US" altLang="ko-KR" sz="1600" dirty="0">
+                <a:solidFill>
+                  <a:schemeClr val="tx1"/>
+                </a:solidFill>
+              </a:rPr>
+              <a:t>Scaffold</a:t>
+            </a:r>
+            <a:endParaRPr lang="ko-KR" altLang="en-US" sz="1600" dirty="0">
+              <a:solidFill>
+                <a:schemeClr val="tx1"/>
+              </a:solidFill>
+            </a:endParaRPr>
+          </a:p>
+        </p:txBody>
+      </p:sp>
+      <p:sp>
+        <p:nvSpPr>
+          <p:cNvPr id="17" name="직사각형 16">
+            <a:extLst>
+              <a:ext uri="{FF2B5EF4-FFF2-40B4-BE49-F238E27FC236}">
+                <a16:creationId xmlns:a16="http://schemas.microsoft.com/office/drawing/2014/main" id="{4F3F69C9-85C4-E860-1057-70F43B671700}"/>
+              </a:ext>
+            </a:extLst>
+          </p:cNvPr>
+          <p:cNvSpPr/>
+          <p:nvPr/>
+        </p:nvSpPr>
+        <p:spPr>
+          <a:xfrm>
+            <a:off x="299648" y="2292127"/>
+            <a:ext cx="1128612" cy="351973"/>
+          </a:xfrm>
+          <a:prstGeom prst="rect">
+            <a:avLst/>
+          </a:prstGeom>
+          <a:noFill/>
+        </p:spPr>
+        <p:style>
+          <a:lnRef idx="2">
+            <a:schemeClr val="accent1">
+              <a:shade val="50000"/>
+            </a:schemeClr>
+          </a:lnRef>
+          <a:fillRef idx="1">
+            <a:schemeClr val="accent1"/>
+          </a:fillRef>
+          <a:effectRef idx="0">
+            <a:schemeClr val="accent1"/>
+          </a:effectRef>
+          <a:fontRef idx="minor">
+            <a:schemeClr val="lt1"/>
+          </a:fontRef>
+        </p:style>
+        <p:txBody>
+          <a:bodyPr rtlCol="0" anchor="ctr"/>
+          <a:lstStyle/>
+          <a:p>
+            <a:pPr algn="ctr"/>
+            <a:r>
+              <a:rPr lang="en-US" altLang="ko-KR" sz="1600" dirty="0">
+                <a:solidFill>
+                  <a:schemeClr val="tx1"/>
+                </a:solidFill>
+              </a:rPr>
+              <a:t>appBar</a:t>
+            </a:r>
+            <a:endParaRPr lang="ko-KR" altLang="en-US" sz="1600" dirty="0">
+              <a:solidFill>
+                <a:schemeClr val="tx1"/>
+              </a:solidFill>
+            </a:endParaRPr>
+          </a:p>
+        </p:txBody>
+      </p:sp>
+      <p:sp>
+        <p:nvSpPr>
+          <p:cNvPr id="20" name="직사각형 19">
+            <a:extLst>
+              <a:ext uri="{FF2B5EF4-FFF2-40B4-BE49-F238E27FC236}">
+                <a16:creationId xmlns:a16="http://schemas.microsoft.com/office/drawing/2014/main" id="{6DC29BEA-4613-130A-85BF-002A6248BF6B}"/>
+              </a:ext>
+            </a:extLst>
+          </p:cNvPr>
+          <p:cNvSpPr/>
+          <p:nvPr/>
+        </p:nvSpPr>
+        <p:spPr>
+          <a:xfrm>
+            <a:off x="1838754" y="2292127"/>
+            <a:ext cx="1128612" cy="351973"/>
+          </a:xfrm>
+          <a:prstGeom prst="rect">
+            <a:avLst/>
+          </a:prstGeom>
+          <a:noFill/>
+        </p:spPr>
+        <p:style>
+          <a:lnRef idx="2">
+            <a:schemeClr val="accent1">
+              <a:shade val="50000"/>
+            </a:schemeClr>
+          </a:lnRef>
+          <a:fillRef idx="1">
+            <a:schemeClr val="accent1"/>
+          </a:fillRef>
+          <a:effectRef idx="0">
+            <a:schemeClr val="accent1"/>
+          </a:effectRef>
+          <a:fontRef idx="minor">
+            <a:schemeClr val="lt1"/>
+          </a:fontRef>
+        </p:style>
+        <p:txBody>
+          <a:bodyPr rtlCol="0" anchor="ctr"/>
+          <a:lstStyle/>
+          <a:p>
+            <a:pPr algn="ctr"/>
+            <a:r>
+              <a:rPr lang="en-US" altLang="ko-KR" sz="1600" dirty="0">
+                <a:solidFill>
+                  <a:schemeClr val="tx1"/>
+                </a:solidFill>
+              </a:rPr>
+              <a:t>body</a:t>
+            </a:r>
+            <a:endParaRPr lang="ko-KR" altLang="en-US" sz="1600" dirty="0">
+              <a:solidFill>
+                <a:schemeClr val="tx1"/>
+              </a:solidFill>
+            </a:endParaRPr>
+          </a:p>
+        </p:txBody>
+      </p:sp>
+      <p:sp>
+        <p:nvSpPr>
+          <p:cNvPr id="21" name="직사각형 20">
+            <a:extLst>
+              <a:ext uri="{FF2B5EF4-FFF2-40B4-BE49-F238E27FC236}">
+                <a16:creationId xmlns:a16="http://schemas.microsoft.com/office/drawing/2014/main" id="{9062B6C5-436C-07A9-D705-0C089C878DF7}"/>
+              </a:ext>
+            </a:extLst>
+          </p:cNvPr>
+          <p:cNvSpPr/>
+          <p:nvPr/>
+        </p:nvSpPr>
+        <p:spPr>
+          <a:xfrm>
+            <a:off x="3218575" y="2292951"/>
+            <a:ext cx="1128612" cy="351973"/>
+          </a:xfrm>
+          <a:prstGeom prst="rect">
+            <a:avLst/>
+          </a:prstGeom>
+          <a:noFill/>
+        </p:spPr>
+        <p:style>
+          <a:lnRef idx="2">
+            <a:schemeClr val="accent1">
+              <a:shade val="50000"/>
+            </a:schemeClr>
+          </a:lnRef>
+          <a:fillRef idx="1">
+            <a:schemeClr val="accent1"/>
+          </a:fillRef>
+          <a:effectRef idx="0">
+            <a:schemeClr val="accent1"/>
+          </a:effectRef>
+          <a:fontRef idx="minor">
+            <a:schemeClr val="lt1"/>
+          </a:fontRef>
+        </p:style>
+        <p:txBody>
+          <a:bodyPr rtlCol="0" anchor="ctr"/>
+          <a:lstStyle/>
+          <a:p>
+            <a:pPr algn="ctr"/>
+            <a:r>
+              <a:rPr lang="en-US" altLang="ko-KR" sz="1600" dirty="0">
+                <a:solidFill>
+                  <a:schemeClr val="tx1"/>
+                </a:solidFill>
+              </a:rPr>
+              <a:t>bott..Bar</a:t>
+            </a:r>
+            <a:endParaRPr lang="ko-KR" altLang="en-US" sz="1600" dirty="0">
+              <a:solidFill>
+                <a:schemeClr val="tx1"/>
+              </a:solidFill>
+            </a:endParaRPr>
+          </a:p>
+        </p:txBody>
+      </p:sp>
+      <p:sp>
+        <p:nvSpPr>
+          <p:cNvPr id="22" name="직사각형 21">
+            <a:extLst>
+              <a:ext uri="{FF2B5EF4-FFF2-40B4-BE49-F238E27FC236}">
+                <a16:creationId xmlns:a16="http://schemas.microsoft.com/office/drawing/2014/main" id="{2D2C8B9A-05BB-AF26-A4BA-F4692CA1531A}"/>
+              </a:ext>
+            </a:extLst>
+          </p:cNvPr>
+          <p:cNvSpPr/>
+          <p:nvPr/>
+        </p:nvSpPr>
+        <p:spPr>
+          <a:xfrm>
+            <a:off x="524986" y="3266951"/>
+            <a:ext cx="1232860" cy="351973"/>
+          </a:xfrm>
+          <a:prstGeom prst="rect">
+            <a:avLst/>
+          </a:prstGeom>
+          <a:noFill/>
+        </p:spPr>
+        <p:style>
+          <a:lnRef idx="2">
+            <a:schemeClr val="accent1">
+              <a:shade val="50000"/>
+            </a:schemeClr>
+          </a:lnRef>
+          <a:fillRef idx="1">
+            <a:schemeClr val="accent1"/>
+          </a:fillRef>
+          <a:effectRef idx="0">
+            <a:schemeClr val="accent1"/>
+          </a:effectRef>
+          <a:fontRef idx="minor">
+            <a:schemeClr val="lt1"/>
+          </a:fontRef>
+        </p:style>
+        <p:txBody>
+          <a:bodyPr rtlCol="0" anchor="ctr"/>
+          <a:lstStyle/>
+          <a:p>
+            <a:pPr algn="ctr"/>
+            <a:r>
+              <a:rPr lang="ko-KR" altLang="en-US" sz="1600">
+                <a:solidFill>
+                  <a:schemeClr val="tx1"/>
+                </a:solidFill>
+              </a:rPr>
+              <a:t>동물리스트</a:t>
+            </a:r>
+            <a:endParaRPr lang="ko-KR" altLang="en-US" sz="1600" dirty="0">
+              <a:solidFill>
+                <a:schemeClr val="tx1"/>
+              </a:solidFill>
+            </a:endParaRPr>
+          </a:p>
+        </p:txBody>
+      </p:sp>
+      <p:sp>
+        <p:nvSpPr>
+          <p:cNvPr id="23" name="직사각형 22">
+            <a:extLst>
+              <a:ext uri="{FF2B5EF4-FFF2-40B4-BE49-F238E27FC236}">
+                <a16:creationId xmlns:a16="http://schemas.microsoft.com/office/drawing/2014/main" id="{E3B2EA60-21C8-BED3-8CE4-4087D1F725DB}"/>
+              </a:ext>
+            </a:extLst>
+          </p:cNvPr>
+          <p:cNvSpPr/>
+          <p:nvPr/>
+        </p:nvSpPr>
+        <p:spPr>
+          <a:xfrm>
+            <a:off x="2009055" y="3267775"/>
+            <a:ext cx="1232860" cy="351973"/>
+          </a:xfrm>
+          <a:prstGeom prst="rect">
+            <a:avLst/>
+          </a:prstGeom>
+          <a:noFill/>
+        </p:spPr>
+        <p:style>
+          <a:lnRef idx="2">
+            <a:schemeClr val="accent1">
+              <a:shade val="50000"/>
+            </a:schemeClr>
+          </a:lnRef>
+          <a:fillRef idx="1">
+            <a:schemeClr val="accent1"/>
+          </a:fillRef>
+          <a:effectRef idx="0">
+            <a:schemeClr val="accent1"/>
+          </a:effectRef>
+          <a:fontRef idx="minor">
+            <a:schemeClr val="lt1"/>
+          </a:fontRef>
+        </p:style>
+        <p:txBody>
+          <a:bodyPr rtlCol="0" anchor="ctr"/>
+          <a:lstStyle/>
+          <a:p>
+            <a:pPr algn="ctr"/>
+            <a:r>
+              <a:rPr lang="ko-KR" altLang="en-US" sz="1600" dirty="0">
+                <a:solidFill>
+                  <a:schemeClr val="tx1"/>
+                </a:solidFill>
+              </a:rPr>
+              <a:t>동물추가</a:t>
+            </a:r>
+          </a:p>
+        </p:txBody>
+      </p:sp>
+      <p:cxnSp>
+        <p:nvCxnSpPr>
+          <p:cNvPr id="26" name="직선 화살표 연결선 25">
+            <a:extLst>
+              <a:ext uri="{FF2B5EF4-FFF2-40B4-BE49-F238E27FC236}">
+                <a16:creationId xmlns:a16="http://schemas.microsoft.com/office/drawing/2014/main" id="{E315D780-111F-7969-7452-ECD8B838AE3E}"/>
+              </a:ext>
+            </a:extLst>
+          </p:cNvPr>
+          <p:cNvCxnSpPr>
+            <a:stCxn id="25" idx="2"/>
+            <a:endCxn id="16" idx="0"/>
+          </p:cNvCxnSpPr>
+          <p:nvPr/>
+        </p:nvCxnSpPr>
+        <p:spPr>
+          <a:xfrm>
+            <a:off x="2402238" y="1336581"/>
+            <a:ext cx="0" cy="246872"/>
+          </a:xfrm>
+          <a:prstGeom prst="straightConnector1">
+            <a:avLst/>
+          </a:prstGeom>
+          <a:ln>
+            <a:tailEnd type="triangle"/>
+          </a:ln>
+        </p:spPr>
+        <p:style>
+          <a:lnRef idx="1">
+            <a:schemeClr val="accent1"/>
+          </a:lnRef>
+          <a:fillRef idx="0">
+            <a:schemeClr val="accent1"/>
+          </a:fillRef>
+          <a:effectRef idx="0">
+            <a:schemeClr val="accent1"/>
+          </a:effectRef>
+          <a:fontRef idx="minor">
+            <a:schemeClr val="tx1"/>
+          </a:fontRef>
+        </p:style>
+      </p:cxnSp>
+      <p:cxnSp>
+        <p:nvCxnSpPr>
+          <p:cNvPr id="35" name="직선 화살표 연결선 34">
+            <a:extLst>
+              <a:ext uri="{FF2B5EF4-FFF2-40B4-BE49-F238E27FC236}">
+                <a16:creationId xmlns:a16="http://schemas.microsoft.com/office/drawing/2014/main" id="{6DD95C70-97E7-9998-BE2F-1EDCFD1240E0}"/>
+              </a:ext>
+            </a:extLst>
+          </p:cNvPr>
+          <p:cNvCxnSpPr>
+            <a:cxnSpLocks/>
+            <a:stCxn id="16" idx="2"/>
+          </p:cNvCxnSpPr>
+          <p:nvPr/>
+        </p:nvCxnSpPr>
+        <p:spPr>
+          <a:xfrm>
+            <a:off x="2402238" y="1935426"/>
+            <a:ext cx="0" cy="356701"/>
+          </a:xfrm>
+          <a:prstGeom prst="straightConnector1">
+            <a:avLst/>
+          </a:prstGeom>
+          <a:ln>
+            <a:tailEnd type="triangle"/>
+          </a:ln>
+        </p:spPr>
+        <p:style>
+          <a:lnRef idx="1">
+            <a:schemeClr val="accent1"/>
+          </a:lnRef>
+          <a:fillRef idx="0">
+            <a:schemeClr val="accent1"/>
+          </a:fillRef>
+          <a:effectRef idx="0">
+            <a:schemeClr val="accent1"/>
+          </a:effectRef>
+          <a:fontRef idx="minor">
+            <a:schemeClr val="tx1"/>
+          </a:fontRef>
+        </p:style>
+      </p:cxnSp>
+      <p:cxnSp>
+        <p:nvCxnSpPr>
+          <p:cNvPr id="42" name="연결선: 꺾임 41">
+            <a:extLst>
+              <a:ext uri="{FF2B5EF4-FFF2-40B4-BE49-F238E27FC236}">
+                <a16:creationId xmlns:a16="http://schemas.microsoft.com/office/drawing/2014/main" id="{DDADBEFF-0CE8-4F4C-A5A5-04B8ABB9A85C}"/>
+              </a:ext>
+            </a:extLst>
+          </p:cNvPr>
+          <p:cNvCxnSpPr>
+            <a:cxnSpLocks/>
+            <a:stCxn id="16" idx="2"/>
+            <a:endCxn id="21" idx="0"/>
+          </p:cNvCxnSpPr>
+          <p:nvPr/>
+        </p:nvCxnSpPr>
+        <p:spPr>
+          <a:xfrm rot="16200000" flipH="1">
+            <a:off x="2913797" y="1423866"/>
+            <a:ext cx="357525" cy="1380643"/>
+          </a:xfrm>
+          <a:prstGeom prst="bentConnector3">
+            <a:avLst>
+              <a:gd name="adj1" fmla="val 50000"/>
+            </a:avLst>
+          </a:prstGeom>
+          <a:ln>
+            <a:tailEnd type="triangle"/>
+          </a:ln>
+        </p:spPr>
+        <p:style>
+          <a:lnRef idx="1">
+            <a:schemeClr val="accent1"/>
+          </a:lnRef>
+          <a:fillRef idx="0">
+            <a:schemeClr val="accent1"/>
+          </a:fillRef>
+          <a:effectRef idx="0">
+            <a:schemeClr val="accent1"/>
+          </a:effectRef>
+          <a:fontRef idx="minor">
+            <a:schemeClr val="tx1"/>
+          </a:fontRef>
+        </p:style>
+      </p:cxnSp>
+      <p:cxnSp>
+        <p:nvCxnSpPr>
+          <p:cNvPr id="45" name="연결선: 꺾임 44">
+            <a:extLst>
+              <a:ext uri="{FF2B5EF4-FFF2-40B4-BE49-F238E27FC236}">
+                <a16:creationId xmlns:a16="http://schemas.microsoft.com/office/drawing/2014/main" id="{3661A76C-090A-29B5-F474-EAAFC5C128AE}"/>
+              </a:ext>
+            </a:extLst>
+          </p:cNvPr>
+          <p:cNvCxnSpPr>
+            <a:cxnSpLocks/>
+            <a:stCxn id="20" idx="2"/>
+            <a:endCxn id="22" idx="0"/>
+          </p:cNvCxnSpPr>
+          <p:nvPr/>
+        </p:nvCxnSpPr>
+        <p:spPr>
+          <a:xfrm rot="5400000">
+            <a:off x="1460813" y="2324703"/>
+            <a:ext cx="622851" cy="1261644"/>
+          </a:xfrm>
+          <a:prstGeom prst="bentConnector3">
+            <a:avLst>
+              <a:gd name="adj1" fmla="val 50000"/>
+            </a:avLst>
+          </a:prstGeom>
+          <a:ln>
+            <a:tailEnd type="triangle"/>
+          </a:ln>
+        </p:spPr>
+        <p:style>
+          <a:lnRef idx="1">
+            <a:schemeClr val="accent1"/>
+          </a:lnRef>
+          <a:fillRef idx="0">
+            <a:schemeClr val="accent1"/>
+          </a:fillRef>
+          <a:effectRef idx="0">
+            <a:schemeClr val="accent1"/>
+          </a:effectRef>
+          <a:fontRef idx="minor">
+            <a:schemeClr val="tx1"/>
+          </a:fontRef>
+        </p:style>
+      </p:cxnSp>
+      <p:cxnSp>
+        <p:nvCxnSpPr>
+          <p:cNvPr id="48" name="연결선: 꺾임 47">
+            <a:extLst>
+              <a:ext uri="{FF2B5EF4-FFF2-40B4-BE49-F238E27FC236}">
+                <a16:creationId xmlns:a16="http://schemas.microsoft.com/office/drawing/2014/main" id="{F5C8E48F-BCA9-6561-97D4-7CB5DC50FEF4}"/>
+              </a:ext>
+            </a:extLst>
+          </p:cNvPr>
+          <p:cNvCxnSpPr>
+            <a:cxnSpLocks/>
+            <a:stCxn id="20" idx="2"/>
+            <a:endCxn id="23" idx="0"/>
+          </p:cNvCxnSpPr>
+          <p:nvPr/>
+        </p:nvCxnSpPr>
+        <p:spPr>
+          <a:xfrm rot="16200000" flipH="1">
+            <a:off x="2202435" y="2844724"/>
+            <a:ext cx="623675" cy="222425"/>
+          </a:xfrm>
+          <a:prstGeom prst="bentConnector3">
+            <a:avLst>
+              <a:gd name="adj1" fmla="val 50000"/>
+            </a:avLst>
+          </a:prstGeom>
+          <a:ln>
+            <a:tailEnd type="triangle"/>
+          </a:ln>
+        </p:spPr>
+        <p:style>
+          <a:lnRef idx="1">
+            <a:schemeClr val="accent1"/>
+          </a:lnRef>
+          <a:fillRef idx="0">
+            <a:schemeClr val="accent1"/>
+          </a:fillRef>
+          <a:effectRef idx="0">
+            <a:schemeClr val="accent1"/>
+          </a:effectRef>
+          <a:fontRef idx="minor">
+            <a:schemeClr val="tx1"/>
+          </a:fontRef>
+        </p:style>
+      </p:cxnSp>
+      <p:sp>
+        <p:nvSpPr>
+          <p:cNvPr id="59" name="TextBox 58">
+            <a:extLst>
+              <a:ext uri="{FF2B5EF4-FFF2-40B4-BE49-F238E27FC236}">
+                <a16:creationId xmlns:a16="http://schemas.microsoft.com/office/drawing/2014/main" id="{B3633541-B97C-AA3A-4F9C-9B5CE37E8FD4}"/>
+              </a:ext>
+            </a:extLst>
+          </p:cNvPr>
+          <p:cNvSpPr txBox="1"/>
+          <p:nvPr/>
+        </p:nvSpPr>
+        <p:spPr>
+          <a:xfrm>
+            <a:off x="2758448" y="2812978"/>
+            <a:ext cx="2185214" cy="261610"/>
+          </a:xfrm>
+          <a:prstGeom prst="rect">
+            <a:avLst/>
+          </a:prstGeom>
+          <a:noFill/>
+        </p:spPr>
+        <p:txBody>
+          <a:bodyPr wrap="none" rtlCol="0">
+            <a:spAutoFit/>
+          </a:bodyPr>
+          <a:lstStyle/>
+          <a:p>
+            <a:r>
+              <a:rPr lang="en-US" altLang="ko-KR" sz="1100" b="0" dirty="0">
+                <a:solidFill>
+                  <a:srgbClr val="185E73"/>
+                </a:solidFill>
+                <a:effectLst/>
+                <a:latin typeface="Consolas" panose="020B0609020204030204" pitchFamily="49" charset="0"/>
+              </a:rPr>
+              <a:t>TabController</a:t>
+            </a:r>
+            <a:r>
+              <a:rPr lang="ko-KR" altLang="en-US" sz="1100" b="0" dirty="0">
+                <a:solidFill>
+                  <a:srgbClr val="185E73"/>
+                </a:solidFill>
+                <a:effectLst/>
+                <a:latin typeface="Consolas" panose="020B0609020204030204" pitchFamily="49" charset="0"/>
+              </a:rPr>
+              <a:t>에 의해서 연동</a:t>
+            </a:r>
+            <a:endParaRPr lang="en-US" altLang="ko-KR" sz="1100" b="0" dirty="0">
+              <a:solidFill>
+                <a:srgbClr val="292929"/>
+              </a:solidFill>
+              <a:effectLst/>
+              <a:latin typeface="Consolas" panose="020B0609020204030204" pitchFamily="49" charset="0"/>
+            </a:endParaRPr>
+          </a:p>
+        </p:txBody>
+      </p:sp>
+      <p:sp>
+        <p:nvSpPr>
+          <p:cNvPr id="61" name="직사각형 60">
+            <a:extLst>
+              <a:ext uri="{FF2B5EF4-FFF2-40B4-BE49-F238E27FC236}">
+                <a16:creationId xmlns:a16="http://schemas.microsoft.com/office/drawing/2014/main" id="{D3B4A188-D5F9-00EA-95DC-980D0933B1FA}"/>
+              </a:ext>
+            </a:extLst>
+          </p:cNvPr>
+          <p:cNvSpPr/>
+          <p:nvPr/>
+        </p:nvSpPr>
+        <p:spPr>
+          <a:xfrm>
+            <a:off x="5406327" y="983784"/>
+            <a:ext cx="2306176" cy="351973"/>
+          </a:xfrm>
+          <a:prstGeom prst="rect">
+            <a:avLst/>
+          </a:prstGeom>
+          <a:noFill/>
+        </p:spPr>
+        <p:style>
+          <a:lnRef idx="2">
+            <a:schemeClr val="accent1">
+              <a:shade val="50000"/>
+            </a:schemeClr>
+          </a:lnRef>
+          <a:fillRef idx="1">
+            <a:schemeClr val="accent1"/>
+          </a:fillRef>
+          <a:effectRef idx="0">
+            <a:schemeClr val="accent1"/>
+          </a:effectRef>
+          <a:fontRef idx="minor">
+            <a:schemeClr val="lt1"/>
+          </a:fontRef>
+        </p:style>
+        <p:txBody>
+          <a:bodyPr rtlCol="0" anchor="ctr"/>
+          <a:lstStyle/>
+          <a:p>
+            <a:pPr algn="ctr"/>
+            <a:r>
+              <a:rPr lang="en-US" altLang="ko-KR" sz="1600" dirty="0">
+                <a:solidFill>
+                  <a:schemeClr val="tx1"/>
+                </a:solidFill>
+              </a:rPr>
+              <a:t>Material App</a:t>
+            </a:r>
+            <a:endParaRPr lang="ko-KR" altLang="en-US" sz="1600" dirty="0">
+              <a:solidFill>
+                <a:schemeClr val="tx1"/>
+              </a:solidFill>
+            </a:endParaRPr>
+          </a:p>
+        </p:txBody>
+      </p:sp>
+      <p:sp>
+        <p:nvSpPr>
+          <p:cNvPr id="63" name="직사각형 62">
+            <a:extLst>
+              <a:ext uri="{FF2B5EF4-FFF2-40B4-BE49-F238E27FC236}">
+                <a16:creationId xmlns:a16="http://schemas.microsoft.com/office/drawing/2014/main" id="{38056B44-167C-5423-37FD-08492B44C84A}"/>
+              </a:ext>
+            </a:extLst>
+          </p:cNvPr>
+          <p:cNvSpPr/>
+          <p:nvPr/>
+        </p:nvSpPr>
+        <p:spPr>
+          <a:xfrm>
+            <a:off x="5406327" y="1582629"/>
+            <a:ext cx="2306176" cy="351973"/>
+          </a:xfrm>
+          <a:prstGeom prst="rect">
+            <a:avLst/>
+          </a:prstGeom>
+          <a:noFill/>
+        </p:spPr>
+        <p:style>
+          <a:lnRef idx="2">
+            <a:schemeClr val="accent1">
+              <a:shade val="50000"/>
+            </a:schemeClr>
+          </a:lnRef>
+          <a:fillRef idx="1">
+            <a:schemeClr val="accent1"/>
+          </a:fillRef>
+          <a:effectRef idx="0">
+            <a:schemeClr val="accent1"/>
+          </a:effectRef>
+          <a:fontRef idx="minor">
+            <a:schemeClr val="lt1"/>
+          </a:fontRef>
+        </p:style>
+        <p:txBody>
+          <a:bodyPr rtlCol="0" anchor="ctr"/>
+          <a:lstStyle/>
+          <a:p>
+            <a:pPr algn="ctr"/>
+            <a:r>
+              <a:rPr lang="en-US" altLang="ko-KR" sz="1600" dirty="0">
+                <a:solidFill>
+                  <a:schemeClr val="tx1"/>
+                </a:solidFill>
+              </a:rPr>
+              <a:t>CuperitnoApp</a:t>
+            </a:r>
+            <a:endParaRPr lang="ko-KR" altLang="en-US" sz="1600" dirty="0">
+              <a:solidFill>
+                <a:schemeClr val="tx1"/>
+              </a:solidFill>
+            </a:endParaRPr>
+          </a:p>
+        </p:txBody>
+      </p:sp>
+      <p:sp>
+        <p:nvSpPr>
+          <p:cNvPr id="65" name="직사각형 64">
+            <a:extLst>
+              <a:ext uri="{FF2B5EF4-FFF2-40B4-BE49-F238E27FC236}">
+                <a16:creationId xmlns:a16="http://schemas.microsoft.com/office/drawing/2014/main" id="{BC3C92F1-3DE9-2ED7-58DD-37B0CF7D3335}"/>
+              </a:ext>
+            </a:extLst>
+          </p:cNvPr>
+          <p:cNvSpPr/>
+          <p:nvPr/>
+        </p:nvSpPr>
+        <p:spPr>
+          <a:xfrm>
+            <a:off x="5995931" y="2138903"/>
+            <a:ext cx="1128612" cy="351973"/>
+          </a:xfrm>
+          <a:prstGeom prst="rect">
+            <a:avLst/>
+          </a:prstGeom>
+          <a:noFill/>
+        </p:spPr>
+        <p:style>
+          <a:lnRef idx="2">
+            <a:schemeClr val="accent1">
+              <a:shade val="50000"/>
+            </a:schemeClr>
+          </a:lnRef>
+          <a:fillRef idx="1">
+            <a:schemeClr val="accent1"/>
+          </a:fillRef>
+          <a:effectRef idx="0">
+            <a:schemeClr val="accent1"/>
+          </a:effectRef>
+          <a:fontRef idx="minor">
+            <a:schemeClr val="lt1"/>
+          </a:fontRef>
+        </p:style>
+        <p:txBody>
+          <a:bodyPr rtlCol="0" anchor="ctr"/>
+          <a:lstStyle/>
+          <a:p>
+            <a:pPr algn="ctr"/>
+            <a:r>
+              <a:rPr lang="en-US" altLang="ko-KR" sz="1600" dirty="0">
+                <a:solidFill>
+                  <a:schemeClr val="tx1"/>
+                </a:solidFill>
+              </a:rPr>
+              <a:t>home</a:t>
+            </a:r>
+            <a:endParaRPr lang="ko-KR" altLang="en-US" sz="1600" dirty="0">
+              <a:solidFill>
+                <a:schemeClr val="tx1"/>
+              </a:solidFill>
+            </a:endParaRPr>
+          </a:p>
+        </p:txBody>
+      </p:sp>
+      <p:cxnSp>
+        <p:nvCxnSpPr>
+          <p:cNvPr id="69" name="직선 화살표 연결선 68">
+            <a:extLst>
+              <a:ext uri="{FF2B5EF4-FFF2-40B4-BE49-F238E27FC236}">
+                <a16:creationId xmlns:a16="http://schemas.microsoft.com/office/drawing/2014/main" id="{46A2DBB2-5807-4B3A-7F55-95A115A82374}"/>
+              </a:ext>
+            </a:extLst>
+          </p:cNvPr>
+          <p:cNvCxnSpPr>
+            <a:stCxn id="61" idx="2"/>
+            <a:endCxn id="63" idx="0"/>
+          </p:cNvCxnSpPr>
+          <p:nvPr/>
+        </p:nvCxnSpPr>
+        <p:spPr>
+          <a:xfrm>
+            <a:off x="6559415" y="1335757"/>
+            <a:ext cx="0" cy="246872"/>
+          </a:xfrm>
+          <a:prstGeom prst="straightConnector1">
+            <a:avLst/>
+          </a:prstGeom>
+          <a:ln>
+            <a:tailEnd type="triangle"/>
+          </a:ln>
+        </p:spPr>
+        <p:style>
+          <a:lnRef idx="1">
+            <a:schemeClr val="accent1"/>
+          </a:lnRef>
+          <a:fillRef idx="0">
+            <a:schemeClr val="accent1"/>
+          </a:fillRef>
+          <a:effectRef idx="0">
+            <a:schemeClr val="accent1"/>
+          </a:effectRef>
+          <a:fontRef idx="minor">
+            <a:schemeClr val="tx1"/>
+          </a:fontRef>
+        </p:style>
+      </p:cxnSp>
+      <p:cxnSp>
+        <p:nvCxnSpPr>
+          <p:cNvPr id="70" name="직선 화살표 연결선 69">
+            <a:extLst>
+              <a:ext uri="{FF2B5EF4-FFF2-40B4-BE49-F238E27FC236}">
+                <a16:creationId xmlns:a16="http://schemas.microsoft.com/office/drawing/2014/main" id="{A73E7DE5-3D8C-2738-A8D2-A0227F8D8FC8}"/>
+              </a:ext>
+            </a:extLst>
+          </p:cNvPr>
+          <p:cNvCxnSpPr>
+            <a:cxnSpLocks/>
+            <a:stCxn id="63" idx="2"/>
+            <a:endCxn id="65" idx="0"/>
+          </p:cNvCxnSpPr>
+          <p:nvPr/>
+        </p:nvCxnSpPr>
+        <p:spPr>
+          <a:xfrm>
+            <a:off x="6559415" y="1934602"/>
+            <a:ext cx="822" cy="204301"/>
+          </a:xfrm>
+          <a:prstGeom prst="straightConnector1">
+            <a:avLst/>
+          </a:prstGeom>
+          <a:ln>
+            <a:tailEnd type="triangle"/>
+          </a:ln>
+        </p:spPr>
+        <p:style>
+          <a:lnRef idx="1">
+            <a:schemeClr val="accent1"/>
+          </a:lnRef>
+          <a:fillRef idx="0">
+            <a:schemeClr val="accent1"/>
+          </a:fillRef>
+          <a:effectRef idx="0">
+            <a:schemeClr val="accent1"/>
+          </a:effectRef>
+          <a:fontRef idx="minor">
+            <a:schemeClr val="tx1"/>
+          </a:fontRef>
+        </p:style>
+      </p:cxnSp>
+      <p:sp>
+        <p:nvSpPr>
+          <p:cNvPr id="76" name="직사각형 75">
+            <a:extLst>
+              <a:ext uri="{FF2B5EF4-FFF2-40B4-BE49-F238E27FC236}">
+                <a16:creationId xmlns:a16="http://schemas.microsoft.com/office/drawing/2014/main" id="{3891BBBF-2864-498B-C3D2-0472D17BB331}"/>
+              </a:ext>
+            </a:extLst>
+          </p:cNvPr>
+          <p:cNvSpPr/>
+          <p:nvPr/>
+        </p:nvSpPr>
+        <p:spPr>
+          <a:xfrm>
+            <a:off x="5406327" y="2661733"/>
+            <a:ext cx="2306176" cy="351973"/>
+          </a:xfrm>
+          <a:prstGeom prst="rect">
+            <a:avLst/>
+          </a:prstGeom>
+          <a:noFill/>
+        </p:spPr>
+        <p:style>
+          <a:lnRef idx="2">
+            <a:schemeClr val="accent1">
+              <a:shade val="50000"/>
+            </a:schemeClr>
+          </a:lnRef>
+          <a:fillRef idx="1">
+            <a:schemeClr val="accent1"/>
+          </a:fillRef>
+          <a:effectRef idx="0">
+            <a:schemeClr val="accent1"/>
+          </a:effectRef>
+          <a:fontRef idx="minor">
+            <a:schemeClr val="lt1"/>
+          </a:fontRef>
+        </p:style>
+        <p:txBody>
+          <a:bodyPr rtlCol="0" anchor="ctr"/>
+          <a:lstStyle/>
+          <a:p>
+            <a:pPr algn="ctr"/>
+            <a:r>
+              <a:rPr lang="en-US" altLang="ko-KR" sz="1600" dirty="0">
+                <a:solidFill>
+                  <a:schemeClr val="tx1"/>
+                </a:solidFill>
+              </a:rPr>
+              <a:t>CupertinoTabScaffold</a:t>
+            </a:r>
+            <a:endParaRPr lang="ko-KR" altLang="en-US" sz="1600" dirty="0">
+              <a:solidFill>
+                <a:schemeClr val="tx1"/>
+              </a:solidFill>
+            </a:endParaRPr>
+          </a:p>
+        </p:txBody>
+      </p:sp>
+      <p:sp>
+        <p:nvSpPr>
+          <p:cNvPr id="79" name="직사각형 78">
+            <a:extLst>
+              <a:ext uri="{FF2B5EF4-FFF2-40B4-BE49-F238E27FC236}">
+                <a16:creationId xmlns:a16="http://schemas.microsoft.com/office/drawing/2014/main" id="{2F933435-983E-D310-50B1-E3996313FC88}"/>
+              </a:ext>
+            </a:extLst>
+          </p:cNvPr>
+          <p:cNvSpPr/>
+          <p:nvPr/>
+        </p:nvSpPr>
+        <p:spPr>
+          <a:xfrm>
+            <a:off x="5185387" y="3300712"/>
+            <a:ext cx="1232860" cy="351973"/>
+          </a:xfrm>
+          <a:prstGeom prst="rect">
+            <a:avLst/>
+          </a:prstGeom>
+          <a:noFill/>
+        </p:spPr>
+        <p:style>
+          <a:lnRef idx="2">
+            <a:schemeClr val="accent1">
+              <a:shade val="50000"/>
+            </a:schemeClr>
+          </a:lnRef>
+          <a:fillRef idx="1">
+            <a:schemeClr val="accent1"/>
+          </a:fillRef>
+          <a:effectRef idx="0">
+            <a:schemeClr val="accent1"/>
+          </a:effectRef>
+          <a:fontRef idx="minor">
+            <a:schemeClr val="lt1"/>
+          </a:fontRef>
+        </p:style>
+        <p:txBody>
+          <a:bodyPr rtlCol="0" anchor="ctr"/>
+          <a:lstStyle/>
+          <a:p>
+            <a:pPr algn="ctr"/>
+            <a:r>
+              <a:rPr lang="ko-KR" altLang="en-US" sz="1600">
+                <a:solidFill>
+                  <a:schemeClr val="tx1"/>
+                </a:solidFill>
+              </a:rPr>
+              <a:t>동물리스트</a:t>
+            </a:r>
+            <a:endParaRPr lang="ko-KR" altLang="en-US" sz="1600" dirty="0">
+              <a:solidFill>
+                <a:schemeClr val="tx1"/>
+              </a:solidFill>
+            </a:endParaRPr>
+          </a:p>
+        </p:txBody>
+      </p:sp>
+      <p:sp>
+        <p:nvSpPr>
+          <p:cNvPr id="80" name="직사각형 79">
+            <a:extLst>
+              <a:ext uri="{FF2B5EF4-FFF2-40B4-BE49-F238E27FC236}">
+                <a16:creationId xmlns:a16="http://schemas.microsoft.com/office/drawing/2014/main" id="{76EEEE33-7408-AE3A-1FE0-47F6E847F7D8}"/>
+              </a:ext>
+            </a:extLst>
+          </p:cNvPr>
+          <p:cNvSpPr/>
+          <p:nvPr/>
+        </p:nvSpPr>
+        <p:spPr>
+          <a:xfrm>
+            <a:off x="6669456" y="3301536"/>
+            <a:ext cx="1232860" cy="351973"/>
+          </a:xfrm>
+          <a:prstGeom prst="rect">
+            <a:avLst/>
+          </a:prstGeom>
+          <a:noFill/>
+        </p:spPr>
+        <p:style>
+          <a:lnRef idx="2">
+            <a:schemeClr val="accent1">
+              <a:shade val="50000"/>
+            </a:schemeClr>
+          </a:lnRef>
+          <a:fillRef idx="1">
+            <a:schemeClr val="accent1"/>
+          </a:fillRef>
+          <a:effectRef idx="0">
+            <a:schemeClr val="accent1"/>
+          </a:effectRef>
+          <a:fontRef idx="minor">
+            <a:schemeClr val="lt1"/>
+          </a:fontRef>
+        </p:style>
+        <p:txBody>
+          <a:bodyPr rtlCol="0" anchor="ctr"/>
+          <a:lstStyle/>
+          <a:p>
+            <a:pPr algn="ctr"/>
+            <a:r>
+              <a:rPr lang="ko-KR" altLang="en-US" sz="1600" dirty="0">
+                <a:solidFill>
+                  <a:schemeClr val="tx1"/>
+                </a:solidFill>
+              </a:rPr>
+              <a:t>동물추가</a:t>
+            </a:r>
+          </a:p>
+        </p:txBody>
+      </p:sp>
+      <p:cxnSp>
+        <p:nvCxnSpPr>
+          <p:cNvPr id="82" name="직선 화살표 연결선 81">
+            <a:extLst>
+              <a:ext uri="{FF2B5EF4-FFF2-40B4-BE49-F238E27FC236}">
+                <a16:creationId xmlns:a16="http://schemas.microsoft.com/office/drawing/2014/main" id="{49628D73-554A-FB70-C4F5-9A66E858215E}"/>
+              </a:ext>
+            </a:extLst>
+          </p:cNvPr>
+          <p:cNvCxnSpPr>
+            <a:cxnSpLocks/>
+            <a:stCxn id="65" idx="2"/>
+            <a:endCxn id="76" idx="0"/>
+          </p:cNvCxnSpPr>
+          <p:nvPr/>
+        </p:nvCxnSpPr>
+        <p:spPr>
+          <a:xfrm flipH="1">
+            <a:off x="6559415" y="2490876"/>
+            <a:ext cx="822" cy="170857"/>
+          </a:xfrm>
+          <a:prstGeom prst="straightConnector1">
+            <a:avLst/>
+          </a:prstGeom>
+          <a:ln>
+            <a:tailEnd type="triangle"/>
+          </a:ln>
+        </p:spPr>
+        <p:style>
+          <a:lnRef idx="1">
+            <a:schemeClr val="accent1"/>
+          </a:lnRef>
+          <a:fillRef idx="0">
+            <a:schemeClr val="accent1"/>
+          </a:fillRef>
+          <a:effectRef idx="0">
+            <a:schemeClr val="accent1"/>
+          </a:effectRef>
+          <a:fontRef idx="minor">
+            <a:schemeClr val="tx1"/>
+          </a:fontRef>
+        </p:style>
+      </p:cxnSp>
+      <p:cxnSp>
+        <p:nvCxnSpPr>
+          <p:cNvPr id="86" name="연결선: 꺾임 85">
+            <a:extLst>
+              <a:ext uri="{FF2B5EF4-FFF2-40B4-BE49-F238E27FC236}">
+                <a16:creationId xmlns:a16="http://schemas.microsoft.com/office/drawing/2014/main" id="{56141ACB-A03E-2E5E-204F-30A84EC7C4F6}"/>
+              </a:ext>
+            </a:extLst>
+          </p:cNvPr>
+          <p:cNvCxnSpPr>
+            <a:cxnSpLocks/>
+            <a:stCxn id="76" idx="2"/>
+            <a:endCxn id="79" idx="0"/>
+          </p:cNvCxnSpPr>
+          <p:nvPr/>
+        </p:nvCxnSpPr>
+        <p:spPr>
+          <a:xfrm rot="5400000">
+            <a:off x="6037113" y="2778410"/>
+            <a:ext cx="287006" cy="757598"/>
+          </a:xfrm>
+          <a:prstGeom prst="bentConnector3">
+            <a:avLst>
+              <a:gd name="adj1" fmla="val 50000"/>
+            </a:avLst>
+          </a:prstGeom>
+          <a:ln>
+            <a:tailEnd type="triangle"/>
+          </a:ln>
+        </p:spPr>
+        <p:style>
+          <a:lnRef idx="1">
+            <a:schemeClr val="accent1"/>
+          </a:lnRef>
+          <a:fillRef idx="0">
+            <a:schemeClr val="accent1"/>
+          </a:fillRef>
+          <a:effectRef idx="0">
+            <a:schemeClr val="accent1"/>
+          </a:effectRef>
+          <a:fontRef idx="minor">
+            <a:schemeClr val="tx1"/>
+          </a:fontRef>
+        </p:style>
+      </p:cxnSp>
+      <p:cxnSp>
+        <p:nvCxnSpPr>
+          <p:cNvPr id="89" name="연결선: 꺾임 88">
+            <a:extLst>
+              <a:ext uri="{FF2B5EF4-FFF2-40B4-BE49-F238E27FC236}">
+                <a16:creationId xmlns:a16="http://schemas.microsoft.com/office/drawing/2014/main" id="{7DE0BADB-FCC9-1210-E3D8-A04D92596AD5}"/>
+              </a:ext>
+            </a:extLst>
+          </p:cNvPr>
+          <p:cNvCxnSpPr>
+            <a:cxnSpLocks/>
+            <a:stCxn id="76" idx="2"/>
+            <a:endCxn id="80" idx="0"/>
+          </p:cNvCxnSpPr>
+          <p:nvPr/>
+        </p:nvCxnSpPr>
+        <p:spPr>
+          <a:xfrm rot="16200000" flipH="1">
+            <a:off x="6778735" y="2794385"/>
+            <a:ext cx="287830" cy="726471"/>
+          </a:xfrm>
+          <a:prstGeom prst="bentConnector3">
+            <a:avLst>
+              <a:gd name="adj1" fmla="val 50000"/>
+            </a:avLst>
+          </a:prstGeom>
+          <a:ln>
+            <a:tailEnd type="triangle"/>
+          </a:ln>
+        </p:spPr>
+        <p:style>
+          <a:lnRef idx="1">
+            <a:schemeClr val="accent1"/>
+          </a:lnRef>
+          <a:fillRef idx="0">
+            <a:schemeClr val="accent1"/>
+          </a:fillRef>
+          <a:effectRef idx="0">
+            <a:schemeClr val="accent1"/>
+          </a:effectRef>
+          <a:fontRef idx="minor">
+            <a:schemeClr val="tx1"/>
+          </a:fontRef>
+        </p:style>
+      </p:cxnSp>
+      <p:cxnSp>
+        <p:nvCxnSpPr>
+          <p:cNvPr id="93" name="직선 연결선 92">
+            <a:extLst>
+              <a:ext uri="{FF2B5EF4-FFF2-40B4-BE49-F238E27FC236}">
+                <a16:creationId xmlns:a16="http://schemas.microsoft.com/office/drawing/2014/main" id="{F0F71BF2-A9CA-8A35-5509-A73338A3255D}"/>
+              </a:ext>
+            </a:extLst>
+          </p:cNvPr>
+          <p:cNvCxnSpPr/>
+          <p:nvPr/>
+        </p:nvCxnSpPr>
+        <p:spPr>
+          <a:xfrm>
+            <a:off x="4943662" y="633493"/>
+            <a:ext cx="0" cy="3214607"/>
+          </a:xfrm>
+          <a:prstGeom prst="line">
+            <a:avLst/>
+          </a:prstGeom>
+        </p:spPr>
+        <p:style>
+          <a:lnRef idx="1">
+            <a:schemeClr val="accent1"/>
+          </a:lnRef>
+          <a:fillRef idx="0">
+            <a:schemeClr val="accent1"/>
+          </a:fillRef>
+          <a:effectRef idx="0">
+            <a:schemeClr val="accent1"/>
+          </a:effectRef>
+          <a:fontRef idx="minor">
+            <a:schemeClr val="tx1"/>
+          </a:fontRef>
+        </p:style>
+      </p:cxnSp>
+      <p:sp>
+        <p:nvSpPr>
+          <p:cNvPr id="94" name="TextBox 93">
+            <a:extLst>
+              <a:ext uri="{FF2B5EF4-FFF2-40B4-BE49-F238E27FC236}">
+                <a16:creationId xmlns:a16="http://schemas.microsoft.com/office/drawing/2014/main" id="{4142BA93-2B70-58C4-AE3B-AF898C3C7DA9}"/>
+              </a:ext>
+            </a:extLst>
+          </p:cNvPr>
+          <p:cNvSpPr txBox="1"/>
+          <p:nvPr/>
+        </p:nvSpPr>
+        <p:spPr>
+          <a:xfrm>
+            <a:off x="6331999" y="3127254"/>
+            <a:ext cx="415498" cy="261610"/>
+          </a:xfrm>
+          <a:prstGeom prst="rect">
+            <a:avLst/>
+          </a:prstGeom>
+          <a:noFill/>
+        </p:spPr>
+        <p:txBody>
+          <a:bodyPr wrap="none" rtlCol="0">
+            <a:spAutoFit/>
+          </a:bodyPr>
+          <a:lstStyle/>
+          <a:p>
+            <a:r>
+              <a:rPr lang="en-US" altLang="ko-KR" sz="1100" b="0" dirty="0">
+                <a:solidFill>
+                  <a:srgbClr val="185E73"/>
+                </a:solidFill>
+                <a:effectLst/>
+                <a:latin typeface="Consolas" panose="020B0609020204030204" pitchFamily="49" charset="0"/>
+              </a:rPr>
+              <a:t>Tab</a:t>
+            </a:r>
+            <a:endParaRPr lang="en-US" altLang="ko-KR" sz="1100" b="0" dirty="0">
+              <a:solidFill>
+                <a:srgbClr val="292929"/>
+              </a:solidFill>
+              <a:effectLst/>
+              <a:latin typeface="Consolas" panose="020B0609020204030204" pitchFamily="49" charset="0"/>
+            </a:endParaRPr>
+          </a:p>
+        </p:txBody>
+      </p:sp>
+    </p:spTree>
+    <p:extLst>
+      <p:ext uri="{BB962C8B-B14F-4D97-AF65-F5344CB8AC3E}">
+        <p14:creationId xmlns:p14="http://schemas.microsoft.com/office/powerpoint/2010/main" val="2696077124"/>
+      </p:ext>
+    </p:extLst>
+  </p:cSld>
+  <p:clrMapOvr>
+    <a:masterClrMapping/>
+  </p:clrMapOvr>
+</p:sld>
+</file>
+
+<file path=ppt/slides/slide12.xml><?xml version="1.0" encoding="utf-8"?>
 <p:sld xmlns:a="http://schemas.openxmlformats.org/drawingml/2006/main" xmlns:r="http://schemas.openxmlformats.org/officeDocument/2006/relationships" xmlns:p="http://schemas.openxmlformats.org/presentationml/2006/main">
   <p:cSld>
     <p:spTree>
@@ -17420,213 +18930,6 @@
     <p:extLst>
       <p:ext uri="{BB962C8B-B14F-4D97-AF65-F5344CB8AC3E}">
         <p14:creationId xmlns:p14="http://schemas.microsoft.com/office/powerpoint/2010/main" val="613544312"/>
-      </p:ext>
-    </p:extLst>
-  </p:cSld>
-  <p:clrMapOvr>
-    <a:masterClrMapping/>
-  </p:clrMapOvr>
-</p:sld>
-</file>
-
-<file path=ppt/slides/slide12.xml><?xml version="1.0" encoding="utf-8"?>
-<p:sld xmlns:a="http://schemas.openxmlformats.org/drawingml/2006/main" xmlns:r="http://schemas.openxmlformats.org/officeDocument/2006/relationships" xmlns:p="http://schemas.openxmlformats.org/presentationml/2006/main">
-  <p:cSld>
-    <p:spTree>
-      <p:nvGrpSpPr>
-        <p:cNvPr id="1" name=""/>
-        <p:cNvGrpSpPr/>
-        <p:nvPr/>
-      </p:nvGrpSpPr>
-      <p:grpSpPr>
-        <a:xfrm>
-          <a:off x="0" y="0"/>
-          <a:ext cx="0" cy="0"/>
-          <a:chOff x="0" y="0"/>
-          <a:chExt cx="0" cy="0"/>
-        </a:xfrm>
-      </p:grpSpPr>
-      <p:sp>
-        <p:nvSpPr>
-          <p:cNvPr id="2" name="TextBox 1">
-            <a:extLst>
-              <a:ext uri="{FF2B5EF4-FFF2-40B4-BE49-F238E27FC236}">
-                <a16:creationId xmlns:a16="http://schemas.microsoft.com/office/drawing/2014/main" id="{DC06E5F2-DFC2-7679-DD76-00DDA831A8D2}"/>
-              </a:ext>
-            </a:extLst>
-          </p:cNvPr>
-          <p:cNvSpPr txBox="1"/>
-          <p:nvPr/>
-        </p:nvSpPr>
-        <p:spPr>
-          <a:xfrm>
-            <a:off x="120538" y="110273"/>
-            <a:ext cx="2383986" cy="338554"/>
-          </a:xfrm>
-          <a:prstGeom prst="rect">
-            <a:avLst/>
-          </a:prstGeom>
-          <a:noFill/>
-        </p:spPr>
-        <p:txBody>
-          <a:bodyPr wrap="none" rtlCol="0">
-            <a:spAutoFit/>
-          </a:bodyPr>
-          <a:lstStyle/>
-          <a:p>
-            <a:r>
-              <a:rPr lang="en-US" altLang="ko-KR" sz="1600" dirty="0"/>
-              <a:t>11. </a:t>
-            </a:r>
-            <a:r>
-              <a:rPr lang="ko-KR" altLang="en-US" sz="1600" dirty="0"/>
-              <a:t>주요 </a:t>
-            </a:r>
-            <a:r>
-              <a:rPr lang="en-US" altLang="ko-KR" sz="1600" dirty="0"/>
-              <a:t>Script - </a:t>
-            </a:r>
-            <a:r>
-              <a:rPr lang="ko-KR" altLang="en-US" sz="1600" dirty="0"/>
-              <a:t>초기화</a:t>
-            </a:r>
-          </a:p>
-        </p:txBody>
-      </p:sp>
-      <p:pic>
-        <p:nvPicPr>
-          <p:cNvPr id="7" name="그림 6">
-            <a:extLst>
-              <a:ext uri="{FF2B5EF4-FFF2-40B4-BE49-F238E27FC236}">
-                <a16:creationId xmlns:a16="http://schemas.microsoft.com/office/drawing/2014/main" id="{26D2C59B-20BC-F9D2-1530-AFF75645306F}"/>
-              </a:ext>
-            </a:extLst>
-          </p:cNvPr>
-          <p:cNvPicPr>
-            <a:picLocks noChangeAspect="1"/>
-          </p:cNvPicPr>
-          <p:nvPr/>
-        </p:nvPicPr>
-        <p:blipFill>
-          <a:blip r:embed="rId2"/>
-          <a:stretch>
-            <a:fillRect/>
-          </a:stretch>
-        </p:blipFill>
-        <p:spPr>
-          <a:xfrm>
-            <a:off x="392112" y="746286"/>
-            <a:ext cx="5133975" cy="2219325"/>
-          </a:xfrm>
-          <a:prstGeom prst="rect">
-            <a:avLst/>
-          </a:prstGeom>
-        </p:spPr>
-      </p:pic>
-      <p:sp>
-        <p:nvSpPr>
-          <p:cNvPr id="8" name="TextBox 7">
-            <a:extLst>
-              <a:ext uri="{FF2B5EF4-FFF2-40B4-BE49-F238E27FC236}">
-                <a16:creationId xmlns:a16="http://schemas.microsoft.com/office/drawing/2014/main" id="{E2A7C61C-9135-775B-FAE5-2F87D0ED3DA6}"/>
-              </a:ext>
-            </a:extLst>
-          </p:cNvPr>
-          <p:cNvSpPr txBox="1"/>
-          <p:nvPr/>
-        </p:nvSpPr>
-        <p:spPr>
-          <a:xfrm>
-            <a:off x="5626100" y="746286"/>
-            <a:ext cx="5550237" cy="954107"/>
-          </a:xfrm>
-          <a:prstGeom prst="rect">
-            <a:avLst/>
-          </a:prstGeom>
-          <a:noFill/>
-        </p:spPr>
-        <p:txBody>
-          <a:bodyPr wrap="none" rtlCol="0">
-            <a:spAutoFit/>
-          </a:bodyPr>
-          <a:lstStyle/>
-          <a:p>
-            <a:r>
-              <a:rPr lang="en-US" altLang="ko-KR" sz="1400" dirty="0"/>
-              <a:t>- Member</a:t>
-            </a:r>
-            <a:r>
-              <a:rPr lang="ko-KR" altLang="en-US" sz="1400" dirty="0"/>
-              <a:t>변수 초기화</a:t>
-            </a:r>
-            <a:r>
-              <a:rPr lang="en-US" altLang="ko-KR" sz="1400" dirty="0"/>
-              <a:t> </a:t>
-            </a:r>
-            <a:r>
-              <a:rPr lang="ko-KR" altLang="en-US" sz="1400" dirty="0"/>
-              <a:t>를 선언 시 안하고</a:t>
-            </a:r>
-            <a:r>
-              <a:rPr lang="en-US" altLang="ko-KR" sz="1400" dirty="0"/>
-              <a:t>, initState()</a:t>
-            </a:r>
-            <a:r>
-              <a:rPr lang="ko-KR" altLang="en-US" sz="1400" dirty="0"/>
-              <a:t>에서 하는 이유</a:t>
-            </a:r>
-            <a:endParaRPr lang="en-US" altLang="ko-KR" sz="1400" dirty="0"/>
-          </a:p>
-          <a:p>
-            <a:r>
-              <a:rPr lang="ko-KR" altLang="en-US" sz="1400" dirty="0"/>
-              <a:t>  </a:t>
-            </a:r>
-            <a:r>
-              <a:rPr lang="en-US" altLang="ko-KR" sz="1400" dirty="0"/>
-              <a:t>: </a:t>
-            </a:r>
-            <a:r>
-              <a:rPr lang="ko-KR" altLang="en-US" sz="1400" dirty="0"/>
-              <a:t>기능상에 특이사항 없음</a:t>
-            </a:r>
-            <a:endParaRPr lang="en-US" altLang="ko-KR" sz="1400" dirty="0"/>
-          </a:p>
-          <a:p>
-            <a:r>
-              <a:rPr lang="en-US" altLang="ko-KR" sz="1400" dirty="0"/>
-              <a:t>  : </a:t>
-            </a:r>
-            <a:r>
-              <a:rPr lang="ko-KR" altLang="en-US" sz="1400" dirty="0"/>
-              <a:t>개발자가 개발을 할 때 선언과 초기값 </a:t>
-            </a:r>
-            <a:r>
-              <a:rPr lang="en-US" altLang="ko-KR" sz="1400" dirty="0"/>
-              <a:t>Setting</a:t>
-            </a:r>
-            <a:r>
-              <a:rPr lang="ko-KR" altLang="en-US" sz="1400" dirty="0"/>
-              <a:t>을 </a:t>
-            </a:r>
-            <a:endParaRPr lang="en-US" altLang="ko-KR" sz="1400" dirty="0"/>
-          </a:p>
-          <a:p>
-            <a:r>
-              <a:rPr lang="en-US" altLang="ko-KR" sz="1400" dirty="0"/>
-              <a:t>    </a:t>
-            </a:r>
-            <a:r>
-              <a:rPr lang="ko-KR" altLang="en-US" sz="1400" dirty="0"/>
-              <a:t>이원화 하여 판독을 빠르게 하기 위해서 임</a:t>
-            </a:r>
-          </a:p>
-        </p:txBody>
-      </p:sp>
-    </p:spTree>
-    <p:extLst>
-      <p:ext uri="{BB962C8B-B14F-4D97-AF65-F5344CB8AC3E}">
-        <p14:creationId xmlns:p14="http://schemas.microsoft.com/office/powerpoint/2010/main" val="2861259304"/>
       </p:ext>
     </p:extLst>
   </p:cSld>
@@ -17970,7 +19273,11 @@
           <a:p>
             <a:r>
               <a:rPr lang="en-US" altLang="ko-KR" dirty="0"/>
-              <a:t>5. AppBar : android</a:t>
+              <a:t>5. AppBar : </a:t>
+            </a:r>
+            <a:r>
+              <a:rPr lang="en-US" altLang="ko-KR" dirty="0" err="1"/>
+              <a:t>MaterialApp</a:t>
             </a:r>
             <a:r>
               <a:rPr lang="ko-KR" altLang="en-US" dirty="0"/>
@@ -17986,11 +19293,11 @@
             </a:r>
             <a:r>
               <a:rPr lang="en-US" altLang="ko-KR" dirty="0"/>
-              <a:t>Widget</a:t>
+              <a:t>Widget </a:t>
             </a:r>
             <a:r>
               <a:rPr lang="ko-KR" altLang="en-US" dirty="0"/>
-              <a:t>에 정의하지만</a:t>
+              <a:t>안에 정의하지만</a:t>
             </a:r>
             <a:r>
               <a:rPr lang="en-US" altLang="ko-KR" dirty="0"/>
@@ -18000,11 +19307,11 @@
           <a:p>
             <a:r>
               <a:rPr lang="en-US" altLang="ko-KR" dirty="0"/>
-              <a:t>               iPhone</a:t>
+              <a:t>               CupertinoApp</a:t>
             </a:r>
             <a:r>
               <a:rPr lang="ko-KR" altLang="en-US" dirty="0"/>
-              <a:t>은 </a:t>
+              <a:t>에서는 </a:t>
             </a:r>
             <a:r>
               <a:rPr lang="en-US" altLang="ko-KR" dirty="0"/>
@@ -23631,7 +24938,7 @@
         </p:blipFill>
         <p:spPr>
           <a:xfrm>
-            <a:off x="427097" y="490537"/>
+            <a:off x="453991" y="490537"/>
             <a:ext cx="4143375" cy="5876925"/>
           </a:xfrm>
           <a:prstGeom prst="rect">
@@ -23661,7 +24968,7 @@
         </p:blipFill>
         <p:spPr>
           <a:xfrm>
-            <a:off x="4347354" y="554786"/>
+            <a:off x="4347354" y="518926"/>
             <a:ext cx="4152900" cy="4972050"/>
           </a:xfrm>
           <a:prstGeom prst="rect">
